--- a/Lectures/CITS5503LectureIAM.pptx
+++ b/Lectures/CITS5503LectureIAM.pptx
@@ -11,7 +11,7 @@
     <p:handoutMasterId r:id="rId30"/>
   </p:handoutMasterIdLst>
   <p:sldIdLst>
-    <p:sldId id="1325" r:id="rId2"/>
+    <p:sldId id="1357" r:id="rId2"/>
     <p:sldId id="1326" r:id="rId3"/>
     <p:sldId id="1327" r:id="rId4"/>
     <p:sldId id="1330" r:id="rId5"/>
@@ -3357,7 +3357,7 @@
             <a:fld id="{B61BEF0D-F0BB-DE4B-95CE-6DB70DBA9567}" type="datetimeFigureOut">
               <a:rPr lang="en-US" smtClean="0"/>
               <a:pPr/>
-              <a:t>3/18/18</a:t>
+              <a:t>4/9/18</a:t>
             </a:fld>
             <a:endParaRPr lang="en-US" dirty="0"/>
           </a:p>
@@ -3557,7 +3557,7 @@
             <a:fld id="{B61BEF0D-F0BB-DE4B-95CE-6DB70DBA9567}" type="datetimeFigureOut">
               <a:rPr lang="en-US" smtClean="0"/>
               <a:pPr/>
-              <a:t>3/18/18</a:t>
+              <a:t>4/9/18</a:t>
             </a:fld>
             <a:endParaRPr lang="en-US" dirty="0"/>
           </a:p>
@@ -3772,7 +3772,7 @@
             <a:fld id="{B61BEF0D-F0BB-DE4B-95CE-6DB70DBA9567}" type="datetimeFigureOut">
               <a:rPr lang="en-US" smtClean="0"/>
               <a:pPr/>
-              <a:t>3/18/18</a:t>
+              <a:t>4/9/18</a:t>
             </a:fld>
             <a:endParaRPr lang="en-US" dirty="0"/>
           </a:p>
@@ -4312,7 +4312,7 @@
             <a:fld id="{B61BEF0D-F0BB-DE4B-95CE-6DB70DBA9567}" type="datetimeFigureOut">
               <a:rPr lang="en-US" smtClean="0"/>
               <a:pPr/>
-              <a:t>3/18/18</a:t>
+              <a:t>4/9/18</a:t>
             </a:fld>
             <a:endParaRPr lang="en-US" dirty="0"/>
           </a:p>
@@ -4590,7 +4590,7 @@
             <a:fld id="{B61BEF0D-F0BB-DE4B-95CE-6DB70DBA9567}" type="datetimeFigureOut">
               <a:rPr lang="en-US" smtClean="0"/>
               <a:pPr/>
-              <a:t>3/18/18</a:t>
+              <a:t>4/9/18</a:t>
             </a:fld>
             <a:endParaRPr lang="en-US" dirty="0"/>
           </a:p>
@@ -4862,7 +4862,7 @@
             <a:fld id="{B61BEF0D-F0BB-DE4B-95CE-6DB70DBA9567}" type="datetimeFigureOut">
               <a:rPr lang="en-US" smtClean="0"/>
               <a:pPr/>
-              <a:t>3/18/18</a:t>
+              <a:t>4/9/18</a:t>
             </a:fld>
             <a:endParaRPr lang="en-US" dirty="0"/>
           </a:p>
@@ -5281,7 +5281,7 @@
             <a:fld id="{B61BEF0D-F0BB-DE4B-95CE-6DB70DBA9567}" type="datetimeFigureOut">
               <a:rPr lang="en-US" smtClean="0"/>
               <a:pPr/>
-              <a:t>3/18/18</a:t>
+              <a:t>4/9/18</a:t>
             </a:fld>
             <a:endParaRPr lang="en-US" dirty="0"/>
           </a:p>
@@ -5429,7 +5429,7 @@
             <a:fld id="{B61BEF0D-F0BB-DE4B-95CE-6DB70DBA9567}" type="datetimeFigureOut">
               <a:rPr lang="en-US" smtClean="0"/>
               <a:pPr/>
-              <a:t>3/18/18</a:t>
+              <a:t>4/9/18</a:t>
             </a:fld>
             <a:endParaRPr lang="en-US" dirty="0"/>
           </a:p>
@@ -5549,7 +5549,7 @@
             <a:fld id="{B61BEF0D-F0BB-DE4B-95CE-6DB70DBA9567}" type="datetimeFigureOut">
               <a:rPr lang="en-US" smtClean="0"/>
               <a:pPr/>
-              <a:t>3/18/18</a:t>
+              <a:t>4/9/18</a:t>
             </a:fld>
             <a:endParaRPr lang="en-US" dirty="0"/>
           </a:p>
@@ -5867,7 +5867,7 @@
             <a:fld id="{B61BEF0D-F0BB-DE4B-95CE-6DB70DBA9567}" type="datetimeFigureOut">
               <a:rPr lang="en-US" smtClean="0"/>
               <a:pPr/>
-              <a:t>3/18/18</a:t>
+              <a:t>4/9/18</a:t>
             </a:fld>
             <a:endParaRPr lang="en-US" dirty="0"/>
           </a:p>
@@ -6162,7 +6162,7 @@
             <a:fld id="{B61BEF0D-F0BB-DE4B-95CE-6DB70DBA9567}" type="datetimeFigureOut">
               <a:rPr lang="en-US" smtClean="0"/>
               <a:pPr/>
-              <a:t>3/18/18</a:t>
+              <a:t>4/9/18</a:t>
             </a:fld>
             <a:endParaRPr lang="en-US" dirty="0"/>
           </a:p>
@@ -6410,7 +6410,7 @@
             <a:fld id="{B61BEF0D-F0BB-DE4B-95CE-6DB70DBA9567}" type="datetimeFigureOut">
               <a:rPr lang="en-US" smtClean="0"/>
               <a:pPr/>
-              <a:t>3/18/18</a:t>
+              <a:t>4/9/18</a:t>
             </a:fld>
             <a:endParaRPr lang="en-US" dirty="0"/>
           </a:p>
@@ -6816,6 +6816,17 @@
 <file path=ppt/slides/slide1.xml><?xml version="1.0" encoding="utf-8"?>
 <p:sld xmlns:a="http://schemas.openxmlformats.org/drawingml/2006/main" xmlns:r="http://schemas.openxmlformats.org/officeDocument/2006/relationships" xmlns:p="http://schemas.openxmlformats.org/presentationml/2006/main">
   <p:cSld>
+    <p:bg>
+      <p:bgPr>
+        <a:solidFill>
+          <a:schemeClr val="bg1">
+            <a:tint val="95000"/>
+            <a:satMod val="170000"/>
+          </a:schemeClr>
+        </a:solidFill>
+        <a:effectLst/>
+      </p:bgPr>
+    </p:bg>
     <p:spTree>
       <p:nvGrpSpPr>
         <p:cNvPr id="1" name=""/>
@@ -6830,45 +6841,210 @@
           <a:chExt cx="0" cy="0"/>
         </a:xfrm>
       </p:grpSpPr>
-      <p:pic>
-        <p:nvPicPr>
-          <p:cNvPr id="2" name="Picture 1"/>
-          <p:cNvPicPr>
-            <a:picLocks noChangeAspect="1"/>
-          </p:cNvPicPr>
-          <p:nvPr/>
-        </p:nvPicPr>
-        <p:blipFill rotWithShape="1">
-          <a:blip r:embed="rId2">
-            <a:alphaModFix amt="66000"/>
+      <p:grpSp>
+        <p:nvGrpSpPr>
+          <p:cNvPr id="10" name="Group 9" title="intersecting circles">
             <a:extLst>
-              <a:ext uri="{BEBA8EAE-BF5A-486C-A8C5-ECC9F3942E4B}">
-                <a14:imgProps xmlns:a14="http://schemas.microsoft.com/office/drawing/2010/main">
-                  <a14:imgLayer r:embed="rId3">
-                    <a14:imgEffect>
-                      <a14:brightnessContrast bright="-37000" contrast="-22000"/>
-                    </a14:imgEffect>
-                  </a14:imgLayer>
-                </a14:imgProps>
+              <a:ext uri="{FF2B5EF4-FFF2-40B4-BE49-F238E27FC236}">
+                <a16:creationId xmlns:a16="http://schemas.microsoft.com/office/drawing/2014/main" id="{D2C4BFA1-2075-4901-9E24-E41D1FDD51FD}"/>
               </a:ext>
             </a:extLst>
-          </a:blip>
-          <a:srcRect l="25052" r="2" b="2"/>
-          <a:stretch/>
-        </p:blipFill>
+          </p:cNvPr>
+          <p:cNvGrpSpPr>
+            <a:grpSpLocks noGrp="1" noUngrp="1" noRot="1" noChangeAspect="1" noMove="1" noResize="1"/>
+          </p:cNvGrpSpPr>
+          <p:nvPr>
+            <p:extLst>
+              <p:ext uri="{386F3935-93C4-4BCD-93E2-E3B085C9AB24}">
+                <p16:designElem xmlns:p16="http://schemas.microsoft.com/office/powerpoint/2015/main" val="1"/>
+              </p:ext>
+            </p:extLst>
+          </p:nvPr>
+        </p:nvGrpSpPr>
+        <p:grpSpPr>
+          <a:xfrm>
+            <a:off x="1155481" y="498348"/>
+            <a:ext cx="9902663" cy="5861304"/>
+            <a:chOff x="1155481" y="498348"/>
+            <a:chExt cx="9902663" cy="5861304"/>
+          </a:xfrm>
+        </p:grpSpPr>
+        <p:sp>
+          <p:nvSpPr>
+            <p:cNvPr id="11" name="Oval 5">
+              <a:extLst>
+                <a:ext uri="{FF2B5EF4-FFF2-40B4-BE49-F238E27FC236}">
+                  <a16:creationId xmlns:a16="http://schemas.microsoft.com/office/drawing/2014/main" id="{985A7375-E3AF-4F5C-85AE-17E8832952CA}"/>
+                </a:ext>
+              </a:extLst>
+            </p:cNvPr>
+            <p:cNvSpPr>
+              <a:spLocks noChangeArrowheads="1"/>
+            </p:cNvSpPr>
+            <p:nvPr>
+              <p:extLst>
+                <p:ext uri="{386F3935-93C4-4BCD-93E2-E3B085C9AB24}">
+                  <p16:designElem xmlns:p16="http://schemas.microsoft.com/office/powerpoint/2015/main" val="1"/>
+                </p:ext>
+              </p:extLst>
+            </p:nvPr>
+          </p:nvSpPr>
+          <p:spPr bwMode="auto">
+            <a:xfrm>
+              <a:off x="1155481" y="498348"/>
+              <a:ext cx="5861304" cy="5861304"/>
+            </a:xfrm>
+            <a:prstGeom prst="ellipse">
+              <a:avLst/>
+            </a:prstGeom>
+            <a:solidFill>
+              <a:schemeClr val="accent1">
+                <a:alpha val="55000"/>
+              </a:schemeClr>
+            </a:solidFill>
+            <a:ln>
+              <a:noFill/>
+            </a:ln>
+          </p:spPr>
+        </p:sp>
+        <p:sp>
+          <p:nvSpPr>
+            <p:cNvPr id="12" name="Oval 11">
+              <a:extLst>
+                <a:ext uri="{FF2B5EF4-FFF2-40B4-BE49-F238E27FC236}">
+                  <a16:creationId xmlns:a16="http://schemas.microsoft.com/office/drawing/2014/main" id="{F0307F65-8304-4FA8-A841-D4D7625411BE}"/>
+                </a:ext>
+              </a:extLst>
+            </p:cNvPr>
+            <p:cNvSpPr>
+              <a:spLocks noChangeArrowheads="1"/>
+            </p:cNvSpPr>
+            <p:nvPr>
+              <p:extLst>
+                <p:ext uri="{386F3935-93C4-4BCD-93E2-E3B085C9AB24}">
+                  <p16:designElem xmlns:p16="http://schemas.microsoft.com/office/powerpoint/2015/main" val="1"/>
+                </p:ext>
+              </p:extLst>
+            </p:nvPr>
+          </p:nvSpPr>
+          <p:spPr bwMode="auto">
+            <a:xfrm>
+              <a:off x="5196840" y="498348"/>
+              <a:ext cx="5861304" cy="5861304"/>
+            </a:xfrm>
+            <a:prstGeom prst="ellipse">
+              <a:avLst/>
+            </a:prstGeom>
+            <a:solidFill>
+              <a:schemeClr val="accent1">
+                <a:alpha val="55000"/>
+              </a:schemeClr>
+            </a:solidFill>
+            <a:ln>
+              <a:noFill/>
+            </a:ln>
+          </p:spPr>
+        </p:sp>
+        <p:sp>
+          <p:nvSpPr>
+            <p:cNvPr id="13" name="Oval 5">
+              <a:extLst>
+                <a:ext uri="{FF2B5EF4-FFF2-40B4-BE49-F238E27FC236}">
+                  <a16:creationId xmlns:a16="http://schemas.microsoft.com/office/drawing/2014/main" id="{C8B8394C-136F-4E05-A002-D93A5E79CD50}"/>
+                </a:ext>
+              </a:extLst>
+            </p:cNvPr>
+            <p:cNvSpPr>
+              <a:spLocks noChangeArrowheads="1"/>
+            </p:cNvSpPr>
+            <p:nvPr>
+              <p:extLst>
+                <p:ext uri="{386F3935-93C4-4BCD-93E2-E3B085C9AB24}">
+                  <p16:designElem xmlns:p16="http://schemas.microsoft.com/office/powerpoint/2015/main" val="1"/>
+                </p:ext>
+              </p:extLst>
+            </p:nvPr>
+          </p:nvSpPr>
+          <p:spPr bwMode="auto">
+            <a:xfrm>
+              <a:off x="3165348" y="498348"/>
+              <a:ext cx="5861304" cy="5861304"/>
+            </a:xfrm>
+            <a:prstGeom prst="ellipse">
+              <a:avLst/>
+            </a:prstGeom>
+            <a:solidFill>
+              <a:schemeClr val="accent1">
+                <a:alpha val="70000"/>
+              </a:schemeClr>
+            </a:solidFill>
+            <a:ln>
+              <a:noFill/>
+            </a:ln>
+          </p:spPr>
+        </p:sp>
+      </p:grpSp>
+      <p:sp>
+        <p:nvSpPr>
+          <p:cNvPr id="15" name="Rectangle 14" title="ribbon">
+            <a:extLst>
+              <a:ext uri="{FF2B5EF4-FFF2-40B4-BE49-F238E27FC236}">
+                <a16:creationId xmlns:a16="http://schemas.microsoft.com/office/drawing/2014/main" id="{053FB2EE-284F-4C87-AB3D-BBF87A9FAB97}"/>
+              </a:ext>
+            </a:extLst>
+          </p:cNvPr>
+          <p:cNvSpPr>
+            <a:spLocks noGrp="1" noRot="1" noChangeAspect="1" noMove="1" noResize="1" noEditPoints="1" noAdjustHandles="1" noChangeArrowheads="1" noChangeShapeType="1" noTextEdit="1"/>
+          </p:cNvSpPr>
+          <p:nvPr>
+            <p:extLst>
+              <p:ext uri="{386F3935-93C4-4BCD-93E2-E3B085C9AB24}">
+                <p16:designElem xmlns:p16="http://schemas.microsoft.com/office/powerpoint/2015/main" val="1"/>
+              </p:ext>
+            </p:extLst>
+          </p:nvPr>
+        </p:nvSpPr>
         <p:spPr>
           <a:xfrm>
-            <a:off x="1524020" y="10"/>
-            <a:ext cx="9143980" cy="6857990"/>
+            <a:off x="0" y="2514600"/>
+            <a:ext cx="12192000" cy="1828800"/>
           </a:xfrm>
           <a:prstGeom prst="rect">
             <a:avLst/>
           </a:prstGeom>
+          <a:solidFill>
+            <a:schemeClr val="tx2"/>
+          </a:solidFill>
+          <a:ln>
+            <a:noFill/>
+          </a:ln>
         </p:spPr>
-      </p:pic>
-      <p:sp>
-        <p:nvSpPr>
-          <p:cNvPr id="6" name="Title 5"/>
+        <p:style>
+          <a:lnRef idx="2">
+            <a:schemeClr val="accent1">
+              <a:shade val="50000"/>
+            </a:schemeClr>
+          </a:lnRef>
+          <a:fillRef idx="1">
+            <a:schemeClr val="accent1"/>
+          </a:fillRef>
+          <a:effectRef idx="0">
+            <a:schemeClr val="accent1"/>
+          </a:effectRef>
+          <a:fontRef idx="minor">
+            <a:schemeClr val="lt1"/>
+          </a:fontRef>
+        </p:style>
+      </p:sp>
+      <p:sp>
+        <p:nvSpPr>
+          <p:cNvPr id="2" name="Title 1">
+            <a:extLst>
+              <a:ext uri="{FF2B5EF4-FFF2-40B4-BE49-F238E27FC236}">
+                <a16:creationId xmlns:a16="http://schemas.microsoft.com/office/drawing/2014/main" id="{4D81C55C-64EF-5A4C-AA55-00ED127F3859}"/>
+              </a:ext>
+            </a:extLst>
+          </p:cNvPr>
           <p:cNvSpPr>
             <a:spLocks noGrp="1"/>
           </p:cNvSpPr>
@@ -6878,8 +7054,8 @@
         </p:nvSpPr>
         <p:spPr>
           <a:xfrm>
-            <a:off x="4814512" y="1200152"/>
-            <a:ext cx="5172879" cy="4457696"/>
+            <a:off x="1524000" y="2776538"/>
+            <a:ext cx="9144000" cy="1381188"/>
           </a:xfrm>
         </p:spPr>
         <p:txBody>
@@ -6888,36 +7064,26 @@
           </a:bodyPr>
           <a:lstStyle/>
           <a:p>
-            <a:pPr algn="l"/>
-            <a:r>
-              <a:rPr lang="en-US" sz="7000" dirty="0">
+            <a:r>
+              <a:rPr lang="en-US" sz="4000" dirty="0">
                 <a:solidFill>
-                  <a:srgbClr val="FFFFFF"/>
+                  <a:schemeClr val="bg2"/>
                 </a:solidFill>
               </a:rPr>
-              <a:t>Lecture 6</a:t>
-            </a:r>
-            <a:br>
-              <a:rPr lang="en-US" sz="7000" dirty="0">
-                <a:solidFill>
-                  <a:srgbClr val="FFFFFF"/>
-                </a:solidFill>
-              </a:rPr>
-            </a:br>
-            <a:r>
-              <a:rPr lang="en-US" sz="7000" dirty="0">
-                <a:solidFill>
-                  <a:srgbClr val="FFFFFF"/>
-                </a:solidFill>
-              </a:rPr>
-              <a:t>Identity Access Management</a:t>
+              <a:t>AWS Identity Access Management</a:t>
             </a:r>
           </a:p>
         </p:txBody>
       </p:sp>
       <p:sp>
         <p:nvSpPr>
-          <p:cNvPr id="7" name="Subtitle 6"/>
+          <p:cNvPr id="3" name="Subtitle 2">
+            <a:extLst>
+              <a:ext uri="{FF2B5EF4-FFF2-40B4-BE49-F238E27FC236}">
+                <a16:creationId xmlns:a16="http://schemas.microsoft.com/office/drawing/2014/main" id="{0948071F-5629-E546-A495-2CF02BCF2F6C}"/>
+              </a:ext>
+            </a:extLst>
+          </p:cNvPr>
           <p:cNvSpPr>
             <a:spLocks noGrp="1"/>
           </p:cNvSpPr>
@@ -6927,97 +7093,121 @@
         </p:nvSpPr>
         <p:spPr>
           <a:xfrm>
-            <a:off x="2161473" y="1200152"/>
-            <a:ext cx="2112401" cy="4457696"/>
+            <a:off x="1524000" y="4495800"/>
+            <a:ext cx="9144000" cy="762000"/>
           </a:xfrm>
         </p:spPr>
         <p:txBody>
-          <a:bodyPr anchor="ctr">
+          <a:bodyPr>
             <a:normAutofit/>
           </a:bodyPr>
           <a:lstStyle/>
           <a:p>
-            <a:pPr algn="r"/>
-            <a:r>
-              <a:rPr lang="en-US" dirty="0">
-                <a:solidFill>
-                  <a:srgbClr val="FFFFFF"/>
-                </a:solidFill>
-              </a:rPr>
-              <a:t>CITS5503 Cloud Computing</a:t>
-            </a:r>
-          </a:p>
-          <a:p>
-            <a:pPr algn="r"/>
-            <a:r>
-              <a:rPr lang="en-US" dirty="0" err="1">
-                <a:solidFill>
-                  <a:srgbClr val="FFFFFF"/>
-                </a:solidFill>
-              </a:rPr>
+            <a:r>
+              <a:rPr lang="en-US" sz="1800" dirty="0"/>
+              <a:t>CITS5503 </a:t>
+            </a:r>
+            <a:r>
+              <a:rPr lang="en-US" sz="1800" dirty="0" err="1"/>
               <a:t>Dr</a:t>
             </a:r>
             <a:r>
-              <a:rPr lang="en-US" dirty="0">
-                <a:solidFill>
-                  <a:srgbClr val="FFFFFF"/>
-                </a:solidFill>
-              </a:rPr>
+              <a:rPr lang="en-US" sz="1800" dirty="0"/>
               <a:t> David Glance</a:t>
             </a:r>
           </a:p>
         </p:txBody>
       </p:sp>
-      <p:cxnSp>
-        <p:nvCxnSpPr>
-          <p:cNvPr id="5" name="Straight Connector 4">
+      <p:sp>
+        <p:nvSpPr>
+          <p:cNvPr id="4" name="Footer Placeholder 3">
             <a:extLst>
               <a:ext uri="{FF2B5EF4-FFF2-40B4-BE49-F238E27FC236}">
-                <a16:creationId xmlns:a16="http://schemas.microsoft.com/office/drawing/2014/main" id="{CD3F56E3-8912-C249-BF8B-D1F5A43D2372}"/>
+                <a16:creationId xmlns:a16="http://schemas.microsoft.com/office/drawing/2014/main" id="{2FE8A79C-FC85-E64F-9A9A-46E21C52ED2D}"/>
               </a:ext>
             </a:extLst>
           </p:cNvPr>
-          <p:cNvCxnSpPr/>
-          <p:nvPr/>
-        </p:nvCxnSpPr>
+          <p:cNvSpPr>
+            <a:spLocks noGrp="1"/>
+          </p:cNvSpPr>
+          <p:nvPr>
+            <p:ph type="ftr" sz="quarter" idx="11"/>
+          </p:nvPr>
+        </p:nvSpPr>
         <p:spPr>
           <a:xfrm>
-            <a:off x="4504765" y="2474259"/>
-            <a:ext cx="0" cy="1909482"/>
+            <a:off x="4038600" y="6356350"/>
+            <a:ext cx="4114800" cy="365125"/>
           </a:xfrm>
-          <a:prstGeom prst="line">
-            <a:avLst/>
-          </a:prstGeom>
-          <a:ln w="25400">
-            <a:solidFill>
-              <a:schemeClr val="bg1"/>
-            </a:solidFill>
-          </a:ln>
         </p:spPr>
-        <p:style>
-          <a:lnRef idx="1">
-            <a:schemeClr val="accent1"/>
-          </a:lnRef>
-          <a:fillRef idx="0">
-            <a:schemeClr val="accent1"/>
-          </a:fillRef>
-          <a:effectRef idx="0">
-            <a:schemeClr val="accent1"/>
-          </a:effectRef>
-          <a:fontRef idx="minor">
-            <a:schemeClr val="tx1"/>
-          </a:fontRef>
-        </p:style>
-      </p:cxnSp>
+        <p:txBody>
+          <a:bodyPr>
+            <a:normAutofit/>
+          </a:bodyPr>
+          <a:lstStyle/>
+          <a:p>
+            <a:endParaRPr lang="en-GB">
+              <a:solidFill>
+                <a:schemeClr val="tx1"/>
+              </a:solidFill>
+            </a:endParaRPr>
+          </a:p>
+        </p:txBody>
+      </p:sp>
+      <p:sp>
+        <p:nvSpPr>
+          <p:cNvPr id="5" name="Slide Number Placeholder 4">
+            <a:extLst>
+              <a:ext uri="{FF2B5EF4-FFF2-40B4-BE49-F238E27FC236}">
+                <a16:creationId xmlns:a16="http://schemas.microsoft.com/office/drawing/2014/main" id="{213B4352-6E12-074C-B434-FB86B89CA98F}"/>
+              </a:ext>
+            </a:extLst>
+          </p:cNvPr>
+          <p:cNvSpPr>
+            <a:spLocks noGrp="1"/>
+          </p:cNvSpPr>
+          <p:nvPr>
+            <p:ph type="sldNum" sz="quarter" idx="12"/>
+          </p:nvPr>
+        </p:nvSpPr>
+        <p:spPr>
+          <a:xfrm>
+            <a:off x="8610600" y="6356350"/>
+            <a:ext cx="2743200" cy="365125"/>
+          </a:xfrm>
+        </p:spPr>
+        <p:txBody>
+          <a:bodyPr>
+            <a:normAutofit/>
+          </a:bodyPr>
+          <a:lstStyle/>
+          <a:p>
+            <a:fld id="{05072F42-4DFA-4725-86F9-7594E4AB4EB5}" type="slidenum">
+              <a:rPr lang="en-GB">
+                <a:solidFill>
+                  <a:schemeClr val="tx1"/>
+                </a:solidFill>
+              </a:rPr>
+              <a:pPr/>
+              <a:t>2</a:t>
+            </a:fld>
+            <a:endParaRPr lang="en-GB">
+              <a:solidFill>
+                <a:schemeClr val="tx1"/>
+              </a:solidFill>
+            </a:endParaRPr>
+          </a:p>
+        </p:txBody>
+      </p:sp>
     </p:spTree>
     <p:extLst>
       <p:ext uri="{BB962C8B-B14F-4D97-AF65-F5344CB8AC3E}">
-        <p14:creationId xmlns:p14="http://schemas.microsoft.com/office/powerpoint/2010/main" val="3649459556"/>
+        <p14:creationId xmlns:p14="http://schemas.microsoft.com/office/powerpoint/2010/main" val="201535397"/>
       </p:ext>
     </p:extLst>
   </p:cSld>
   <p:clrMapOvr>
-    <a:masterClrMapping/>
+    <a:overrideClrMapping bg1="dk1" tx1="lt1" bg2="dk2" tx2="lt2" accent1="accent1" accent2="accent2" accent3="accent3" accent4="accent4" accent5="accent5" accent6="accent6" hlink="hlink" folHlink="folHlink"/>
   </p:clrMapOvr>
 </p:sld>
 </file>

--- a/Lectures/CITS5503LectureIAM.pptx
+++ b/Lectures/CITS5503LectureIAM.pptx
@@ -3553,7 +3553,7 @@
             <a:fld id="{B61BEF0D-F0BB-DE4B-95CE-6DB70DBA9567}" type="datetimeFigureOut">
               <a:rPr lang="en-US" smtClean="0"/>
               <a:pPr/>
-              <a:t>8/22/18</a:t>
+              <a:t>8/27/18</a:t>
             </a:fld>
             <a:endParaRPr lang="en-US" dirty="0"/>
           </a:p>
@@ -3753,7 +3753,7 @@
             <a:fld id="{B61BEF0D-F0BB-DE4B-95CE-6DB70DBA9567}" type="datetimeFigureOut">
               <a:rPr lang="en-US" smtClean="0"/>
               <a:pPr/>
-              <a:t>8/22/18</a:t>
+              <a:t>8/27/18</a:t>
             </a:fld>
             <a:endParaRPr lang="en-US" dirty="0"/>
           </a:p>
@@ -3968,7 +3968,7 @@
             <a:fld id="{B61BEF0D-F0BB-DE4B-95CE-6DB70DBA9567}" type="datetimeFigureOut">
               <a:rPr lang="en-US" smtClean="0"/>
               <a:pPr/>
-              <a:t>8/22/18</a:t>
+              <a:t>8/27/18</a:t>
             </a:fld>
             <a:endParaRPr lang="en-US" dirty="0"/>
           </a:p>
@@ -4508,7 +4508,7 @@
             <a:fld id="{B61BEF0D-F0BB-DE4B-95CE-6DB70DBA9567}" type="datetimeFigureOut">
               <a:rPr lang="en-US" smtClean="0"/>
               <a:pPr/>
-              <a:t>8/22/18</a:t>
+              <a:t>8/27/18</a:t>
             </a:fld>
             <a:endParaRPr lang="en-US" dirty="0"/>
           </a:p>
@@ -4786,7 +4786,7 @@
             <a:fld id="{B61BEF0D-F0BB-DE4B-95CE-6DB70DBA9567}" type="datetimeFigureOut">
               <a:rPr lang="en-US" smtClean="0"/>
               <a:pPr/>
-              <a:t>8/22/18</a:t>
+              <a:t>8/27/18</a:t>
             </a:fld>
             <a:endParaRPr lang="en-US" dirty="0"/>
           </a:p>
@@ -5058,7 +5058,7 @@
             <a:fld id="{B61BEF0D-F0BB-DE4B-95CE-6DB70DBA9567}" type="datetimeFigureOut">
               <a:rPr lang="en-US" smtClean="0"/>
               <a:pPr/>
-              <a:t>8/22/18</a:t>
+              <a:t>8/27/18</a:t>
             </a:fld>
             <a:endParaRPr lang="en-US" dirty="0"/>
           </a:p>
@@ -5477,7 +5477,7 @@
             <a:fld id="{B61BEF0D-F0BB-DE4B-95CE-6DB70DBA9567}" type="datetimeFigureOut">
               <a:rPr lang="en-US" smtClean="0"/>
               <a:pPr/>
-              <a:t>8/22/18</a:t>
+              <a:t>8/27/18</a:t>
             </a:fld>
             <a:endParaRPr lang="en-US" dirty="0"/>
           </a:p>
@@ -5625,7 +5625,7 @@
             <a:fld id="{B61BEF0D-F0BB-DE4B-95CE-6DB70DBA9567}" type="datetimeFigureOut">
               <a:rPr lang="en-US" smtClean="0"/>
               <a:pPr/>
-              <a:t>8/22/18</a:t>
+              <a:t>8/27/18</a:t>
             </a:fld>
             <a:endParaRPr lang="en-US" dirty="0"/>
           </a:p>
@@ -5745,7 +5745,7 @@
             <a:fld id="{B61BEF0D-F0BB-DE4B-95CE-6DB70DBA9567}" type="datetimeFigureOut">
               <a:rPr lang="en-US" smtClean="0"/>
               <a:pPr/>
-              <a:t>8/22/18</a:t>
+              <a:t>8/27/18</a:t>
             </a:fld>
             <a:endParaRPr lang="en-US" dirty="0"/>
           </a:p>
@@ -6063,7 +6063,7 @@
             <a:fld id="{B61BEF0D-F0BB-DE4B-95CE-6DB70DBA9567}" type="datetimeFigureOut">
               <a:rPr lang="en-US" smtClean="0"/>
               <a:pPr/>
-              <a:t>8/22/18</a:t>
+              <a:t>8/27/18</a:t>
             </a:fld>
             <a:endParaRPr lang="en-US" dirty="0"/>
           </a:p>
@@ -6358,7 +6358,7 @@
             <a:fld id="{B61BEF0D-F0BB-DE4B-95CE-6DB70DBA9567}" type="datetimeFigureOut">
               <a:rPr lang="en-US" smtClean="0"/>
               <a:pPr/>
-              <a:t>8/22/18</a:t>
+              <a:t>8/27/18</a:t>
             </a:fld>
             <a:endParaRPr lang="en-US" dirty="0"/>
           </a:p>
@@ -6606,7 +6606,7 @@
             <a:fld id="{B61BEF0D-F0BB-DE4B-95CE-6DB70DBA9567}" type="datetimeFigureOut">
               <a:rPr lang="en-US" smtClean="0"/>
               <a:pPr/>
-              <a:t>8/22/18</a:t>
+              <a:t>8/27/18</a:t>
             </a:fld>
             <a:endParaRPr lang="en-US" dirty="0"/>
           </a:p>
@@ -17888,8 +17888,13 @@
           <a:p>
             <a:r>
               <a:rPr lang="en-US" dirty="0"/>
-              <a:t>Create a key</a:t>
-            </a:r>
+              <a:t>Create a key </a:t>
+            </a:r>
+            <a:r>
+              <a:rPr lang="en-US"/>
+              <a:t>(console)</a:t>
+            </a:r>
+            <a:endParaRPr lang="en-US" dirty="0"/>
           </a:p>
         </p:txBody>
       </p:sp>

--- a/Lectures/CITS5503LectureIAM.pptx
+++ b/Lectures/CITS5503LectureIAM.pptx
@@ -3553,7 +3553,7 @@
             <a:fld id="{B61BEF0D-F0BB-DE4B-95CE-6DB70DBA9567}" type="datetimeFigureOut">
               <a:rPr lang="en-US" smtClean="0"/>
               <a:pPr/>
-              <a:t>8/27/18</a:t>
+              <a:t>8/26/19</a:t>
             </a:fld>
             <a:endParaRPr lang="en-US" dirty="0"/>
           </a:p>
@@ -3753,7 +3753,7 @@
             <a:fld id="{B61BEF0D-F0BB-DE4B-95CE-6DB70DBA9567}" type="datetimeFigureOut">
               <a:rPr lang="en-US" smtClean="0"/>
               <a:pPr/>
-              <a:t>8/27/18</a:t>
+              <a:t>8/26/19</a:t>
             </a:fld>
             <a:endParaRPr lang="en-US" dirty="0"/>
           </a:p>
@@ -3968,7 +3968,7 @@
             <a:fld id="{B61BEF0D-F0BB-DE4B-95CE-6DB70DBA9567}" type="datetimeFigureOut">
               <a:rPr lang="en-US" smtClean="0"/>
               <a:pPr/>
-              <a:t>8/27/18</a:t>
+              <a:t>8/26/19</a:t>
             </a:fld>
             <a:endParaRPr lang="en-US" dirty="0"/>
           </a:p>
@@ -4508,7 +4508,7 @@
             <a:fld id="{B61BEF0D-F0BB-DE4B-95CE-6DB70DBA9567}" type="datetimeFigureOut">
               <a:rPr lang="en-US" smtClean="0"/>
               <a:pPr/>
-              <a:t>8/27/18</a:t>
+              <a:t>8/26/19</a:t>
             </a:fld>
             <a:endParaRPr lang="en-US" dirty="0"/>
           </a:p>
@@ -4786,7 +4786,7 @@
             <a:fld id="{B61BEF0D-F0BB-DE4B-95CE-6DB70DBA9567}" type="datetimeFigureOut">
               <a:rPr lang="en-US" smtClean="0"/>
               <a:pPr/>
-              <a:t>8/27/18</a:t>
+              <a:t>8/26/19</a:t>
             </a:fld>
             <a:endParaRPr lang="en-US" dirty="0"/>
           </a:p>
@@ -5058,7 +5058,7 @@
             <a:fld id="{B61BEF0D-F0BB-DE4B-95CE-6DB70DBA9567}" type="datetimeFigureOut">
               <a:rPr lang="en-US" smtClean="0"/>
               <a:pPr/>
-              <a:t>8/27/18</a:t>
+              <a:t>8/26/19</a:t>
             </a:fld>
             <a:endParaRPr lang="en-US" dirty="0"/>
           </a:p>
@@ -5477,7 +5477,7 @@
             <a:fld id="{B61BEF0D-F0BB-DE4B-95CE-6DB70DBA9567}" type="datetimeFigureOut">
               <a:rPr lang="en-US" smtClean="0"/>
               <a:pPr/>
-              <a:t>8/27/18</a:t>
+              <a:t>8/26/19</a:t>
             </a:fld>
             <a:endParaRPr lang="en-US" dirty="0"/>
           </a:p>
@@ -5625,7 +5625,7 @@
             <a:fld id="{B61BEF0D-F0BB-DE4B-95CE-6DB70DBA9567}" type="datetimeFigureOut">
               <a:rPr lang="en-US" smtClean="0"/>
               <a:pPr/>
-              <a:t>8/27/18</a:t>
+              <a:t>8/26/19</a:t>
             </a:fld>
             <a:endParaRPr lang="en-US" dirty="0"/>
           </a:p>
@@ -5745,7 +5745,7 @@
             <a:fld id="{B61BEF0D-F0BB-DE4B-95CE-6DB70DBA9567}" type="datetimeFigureOut">
               <a:rPr lang="en-US" smtClean="0"/>
               <a:pPr/>
-              <a:t>8/27/18</a:t>
+              <a:t>8/26/19</a:t>
             </a:fld>
             <a:endParaRPr lang="en-US" dirty="0"/>
           </a:p>
@@ -6063,7 +6063,7 @@
             <a:fld id="{B61BEF0D-F0BB-DE4B-95CE-6DB70DBA9567}" type="datetimeFigureOut">
               <a:rPr lang="en-US" smtClean="0"/>
               <a:pPr/>
-              <a:t>8/27/18</a:t>
+              <a:t>8/26/19</a:t>
             </a:fld>
             <a:endParaRPr lang="en-US" dirty="0"/>
           </a:p>
@@ -6358,7 +6358,7 @@
             <a:fld id="{B61BEF0D-F0BB-DE4B-95CE-6DB70DBA9567}" type="datetimeFigureOut">
               <a:rPr lang="en-US" smtClean="0"/>
               <a:pPr/>
-              <a:t>8/27/18</a:t>
+              <a:t>8/26/19</a:t>
             </a:fld>
             <a:endParaRPr lang="en-US" dirty="0"/>
           </a:p>
@@ -6606,7 +6606,7 @@
             <a:fld id="{B61BEF0D-F0BB-DE4B-95CE-6DB70DBA9567}" type="datetimeFigureOut">
               <a:rPr lang="en-US" smtClean="0"/>
               <a:pPr/>
-              <a:t>8/27/18</a:t>
+              <a:t>8/26/19</a:t>
             </a:fld>
             <a:endParaRPr lang="en-US" dirty="0"/>
           </a:p>
@@ -16454,7 +16454,7 @@
             <a:r>
               <a:rPr lang="en-US" dirty="0">
                 <a:solidFill>
-                  <a:schemeClr val="accent1"/>
+                  <a:srgbClr val="00B0F0"/>
                 </a:solidFill>
               </a:rPr>
               <a:t>IAM Identities</a:t>
@@ -16466,15 +16466,23 @@
           </a:p>
           <a:p>
             <a:r>
-              <a:rPr lang="en-US" dirty="0"/>
-              <a:t>IAM Policies: controls access to policies </a:t>
-            </a:r>
-          </a:p>
-          <a:p>
-            <a:r>
               <a:rPr lang="en-US" dirty="0">
                 <a:solidFill>
-                  <a:schemeClr val="accent1"/>
+                  <a:srgbClr val="00B0F0"/>
+                </a:solidFill>
+              </a:rPr>
+              <a:t>IAM Policies</a:t>
+            </a:r>
+            <a:r>
+              <a:rPr lang="en-US" dirty="0"/>
+              <a:t>: controls access to policies </a:t>
+            </a:r>
+          </a:p>
+          <a:p>
+            <a:r>
+              <a:rPr lang="en-US" dirty="0">
+                <a:solidFill>
+                  <a:srgbClr val="00B0F0"/>
                 </a:solidFill>
               </a:rPr>
               <a:t>AWS Resources</a:t>
@@ -16486,8 +16494,16 @@
           </a:p>
           <a:p>
             <a:r>
+              <a:rPr lang="en-US" dirty="0">
+                <a:solidFill>
+                  <a:srgbClr val="00B0F0"/>
+                </a:solidFill>
+              </a:rPr>
+              <a:t>AWS Accounts</a:t>
+            </a:r>
+            <a:r>
               <a:rPr lang="en-US" dirty="0"/>
-              <a:t>AWS Accounts: limit access to members of a specific account</a:t>
+              <a:t>: limit access to members of a specific account</a:t>
             </a:r>
           </a:p>
         </p:txBody>
@@ -20969,7 +20985,7 @@
           <a:p>
             <a:r>
               <a:rPr lang="en-US" dirty="0"/>
-              <a:t>MAC: aka ”keyed hash”</a:t>
+              <a:t>HMAC: aka ”keyed hash”</a:t>
             </a:r>
           </a:p>
           <a:p>
@@ -21767,7 +21783,7 @@
             <a:pPr lvl="1"/>
             <a:r>
               <a:rPr lang="en-US" dirty="0"/>
-              <a:t>Caesar Cipher</a:t>
+              <a:t>Caesar Cipher (shift cipher or ROT3)</a:t>
             </a:r>
           </a:p>
           <a:p>

--- a/Lectures/CITS5503LectureIAM.pptx
+++ b/Lectures/CITS5503LectureIAM.pptx
@@ -3553,7 +3553,7 @@
             <a:fld id="{B61BEF0D-F0BB-DE4B-95CE-6DB70DBA9567}" type="datetimeFigureOut">
               <a:rPr lang="en-US" smtClean="0"/>
               <a:pPr/>
-              <a:t>8/26/19</a:t>
+              <a:t>7/16/21</a:t>
             </a:fld>
             <a:endParaRPr lang="en-US" dirty="0"/>
           </a:p>
@@ -3753,7 +3753,7 @@
             <a:fld id="{B61BEF0D-F0BB-DE4B-95CE-6DB70DBA9567}" type="datetimeFigureOut">
               <a:rPr lang="en-US" smtClean="0"/>
               <a:pPr/>
-              <a:t>8/26/19</a:t>
+              <a:t>7/16/21</a:t>
             </a:fld>
             <a:endParaRPr lang="en-US" dirty="0"/>
           </a:p>
@@ -3968,7 +3968,7 @@
             <a:fld id="{B61BEF0D-F0BB-DE4B-95CE-6DB70DBA9567}" type="datetimeFigureOut">
               <a:rPr lang="en-US" smtClean="0"/>
               <a:pPr/>
-              <a:t>8/26/19</a:t>
+              <a:t>7/16/21</a:t>
             </a:fld>
             <a:endParaRPr lang="en-US" dirty="0"/>
           </a:p>
@@ -4508,7 +4508,7 @@
             <a:fld id="{B61BEF0D-F0BB-DE4B-95CE-6DB70DBA9567}" type="datetimeFigureOut">
               <a:rPr lang="en-US" smtClean="0"/>
               <a:pPr/>
-              <a:t>8/26/19</a:t>
+              <a:t>7/16/21</a:t>
             </a:fld>
             <a:endParaRPr lang="en-US" dirty="0"/>
           </a:p>
@@ -4786,7 +4786,7 @@
             <a:fld id="{B61BEF0D-F0BB-DE4B-95CE-6DB70DBA9567}" type="datetimeFigureOut">
               <a:rPr lang="en-US" smtClean="0"/>
               <a:pPr/>
-              <a:t>8/26/19</a:t>
+              <a:t>7/16/21</a:t>
             </a:fld>
             <a:endParaRPr lang="en-US" dirty="0"/>
           </a:p>
@@ -5058,7 +5058,7 @@
             <a:fld id="{B61BEF0D-F0BB-DE4B-95CE-6DB70DBA9567}" type="datetimeFigureOut">
               <a:rPr lang="en-US" smtClean="0"/>
               <a:pPr/>
-              <a:t>8/26/19</a:t>
+              <a:t>7/16/21</a:t>
             </a:fld>
             <a:endParaRPr lang="en-US" dirty="0"/>
           </a:p>
@@ -5477,7 +5477,7 @@
             <a:fld id="{B61BEF0D-F0BB-DE4B-95CE-6DB70DBA9567}" type="datetimeFigureOut">
               <a:rPr lang="en-US" smtClean="0"/>
               <a:pPr/>
-              <a:t>8/26/19</a:t>
+              <a:t>7/16/21</a:t>
             </a:fld>
             <a:endParaRPr lang="en-US" dirty="0"/>
           </a:p>
@@ -5625,7 +5625,7 @@
             <a:fld id="{B61BEF0D-F0BB-DE4B-95CE-6DB70DBA9567}" type="datetimeFigureOut">
               <a:rPr lang="en-US" smtClean="0"/>
               <a:pPr/>
-              <a:t>8/26/19</a:t>
+              <a:t>7/16/21</a:t>
             </a:fld>
             <a:endParaRPr lang="en-US" dirty="0"/>
           </a:p>
@@ -5745,7 +5745,7 @@
             <a:fld id="{B61BEF0D-F0BB-DE4B-95CE-6DB70DBA9567}" type="datetimeFigureOut">
               <a:rPr lang="en-US" smtClean="0"/>
               <a:pPr/>
-              <a:t>8/26/19</a:t>
+              <a:t>7/16/21</a:t>
             </a:fld>
             <a:endParaRPr lang="en-US" dirty="0"/>
           </a:p>
@@ -6063,7 +6063,7 @@
             <a:fld id="{B61BEF0D-F0BB-DE4B-95CE-6DB70DBA9567}" type="datetimeFigureOut">
               <a:rPr lang="en-US" smtClean="0"/>
               <a:pPr/>
-              <a:t>8/26/19</a:t>
+              <a:t>7/16/21</a:t>
             </a:fld>
             <a:endParaRPr lang="en-US" dirty="0"/>
           </a:p>
@@ -6358,7 +6358,7 @@
             <a:fld id="{B61BEF0D-F0BB-DE4B-95CE-6DB70DBA9567}" type="datetimeFigureOut">
               <a:rPr lang="en-US" smtClean="0"/>
               <a:pPr/>
-              <a:t>8/26/19</a:t>
+              <a:t>7/16/21</a:t>
             </a:fld>
             <a:endParaRPr lang="en-US" dirty="0"/>
           </a:p>
@@ -6606,7 +6606,7 @@
             <a:fld id="{B61BEF0D-F0BB-DE4B-95CE-6DB70DBA9567}" type="datetimeFigureOut">
               <a:rPr lang="en-US" smtClean="0"/>
               <a:pPr/>
-              <a:t>8/26/19</a:t>
+              <a:t>7/16/21</a:t>
             </a:fld>
             <a:endParaRPr lang="en-US" dirty="0"/>
           </a:p>
@@ -7301,16 +7301,13 @@
           <a:p>
             <a:r>
               <a:rPr lang="en-US" sz="1800" dirty="0"/>
-              <a:t>CITS5503 </a:t>
+              <a:t>CITS5503 Camilo </a:t>
             </a:r>
             <a:r>
               <a:rPr lang="en-US" sz="1800" dirty="0" err="1"/>
-              <a:t>Dr</a:t>
-            </a:r>
-            <a:r>
-              <a:rPr lang="en-US" sz="1800" dirty="0"/>
-              <a:t> David Glance</a:t>
-            </a:r>
+              <a:t>Pestana</a:t>
+            </a:r>
+            <a:endParaRPr lang="en-US" sz="1800" dirty="0"/>
           </a:p>
         </p:txBody>
       </p:sp>
